--- a/Final_Project/presentation/Jesse/Section4_ProductDemonstration_Jesse.pptx
+++ b/Final_Project/presentation/Jesse/Section4_ProductDemonstration_Jesse.pptx
@@ -5,11 +5,12 @@
     <p:sldMasterId id="2147483648" r:id="rId1"/>
   </p:sldMasterIdLst>
   <p:sldIdLst>
-    <p:sldId id="256" r:id="rId2"/>
-    <p:sldId id="257" r:id="rId3"/>
-    <p:sldId id="258" r:id="rId4"/>
-    <p:sldId id="259" r:id="rId5"/>
-    <p:sldId id="260" r:id="rId6"/>
+    <p:sldId id="261" r:id="rId2"/>
+    <p:sldId id="256" r:id="rId3"/>
+    <p:sldId id="257" r:id="rId4"/>
+    <p:sldId id="258" r:id="rId5"/>
+    <p:sldId id="259" r:id="rId6"/>
+    <p:sldId id="260" r:id="rId7"/>
   </p:sldIdLst>
   <p:sldSz cx="12192000" cy="6858000"/>
   <p:notesSz cx="6858000" cy="9144000"/>
@@ -108,12 +109,17 @@
       </a:defRPr>
     </a:lvl9pPr>
   </p:defaultTextStyle>
+  <p:extLst>
+    <p:ext uri="{EFAFB233-063F-42B5-8137-9DF3F51BA10A}">
+      <p15:sldGuideLst xmlns:p15="http://schemas.microsoft.com/office/powerpoint/2012/main"/>
+    </p:ext>
+  </p:extLst>
 </p:presentation>
 </file>
 
 <file path=ppt/commentAuthors.xml><?xml version="1.0" encoding="utf-8"?>
 <p:cmAuthorLst xmlns:a="http://schemas.openxmlformats.org/drawingml/2006/main" xmlns:r="http://schemas.openxmlformats.org/officeDocument/2006/relationships" xmlns:p="http://schemas.openxmlformats.org/presentationml/2006/main">
-  <p:cmAuthor id="1" name="Jesse Hare" initials="JH" lastIdx="5" clrIdx="0">
+  <p:cmAuthor id="1" name="Jesse Hare" initials="JH" lastIdx="6" clrIdx="0">
     <p:extLst>
       <p:ext uri="{19B8F6BF-5375-455C-9EA6-DF929625EA0E}">
         <p15:presenceInfo xmlns:p15="http://schemas.microsoft.com/office/powerpoint/2012/main" userId="f26de41238ad2560" providerId="Windows Live"/>
@@ -126,16 +132,272 @@
 <file path=ppt/revisionInfo.xml><?xml version="1.0" encoding="utf-8"?>
 <p1510:revInfo xmlns:a="http://schemas.openxmlformats.org/drawingml/2006/main" xmlns:r="http://schemas.openxmlformats.org/officeDocument/2006/relationships" xmlns:p1510="http://schemas.microsoft.com/office/powerpoint/2015/10/main">
   <p1510:revLst>
-    <p1510:client id="{16C2FE0C-4709-4992-A3C2-0C28529D80D0}" v="4" dt="2019-10-21T11:01:07.909"/>
+    <p1510:client id="{16C2FE0C-4709-4992-A3C2-0C28529D80D0}" v="27" dt="2019-10-22T09:44:51.433"/>
   </p1510:revLst>
 </p1510:revInfo>
 </file>
 
+<file path=ppt/changesInfos/changesInfo1.xml><?xml version="1.0" encoding="utf-8"?>
+<pc:chgInfo xmlns:a="http://schemas.openxmlformats.org/drawingml/2006/main" xmlns:r="http://schemas.openxmlformats.org/officeDocument/2006/relationships" xmlns:ac="http://schemas.microsoft.com/office/drawing/2013/main/command" xmlns:pc="http://schemas.microsoft.com/office/powerpoint/2013/main/command">
+  <pc:docChgLst>
+    <pc:chgData name="Jesse Hare" userId="f26de41238ad2560" providerId="LiveId" clId="{16C2FE0C-4709-4992-A3C2-0C28529D80D0}"/>
+    <pc:docChg chg="custSel addSld modSld">
+      <pc:chgData name="Jesse Hare" userId="f26de41238ad2560" providerId="LiveId" clId="{16C2FE0C-4709-4992-A3C2-0C28529D80D0}" dt="2019-10-22T09:44:58.698" v="750" actId="2711"/>
+      <pc:docMkLst>
+        <pc:docMk/>
+      </pc:docMkLst>
+      <pc:sldChg chg="modSp modCm">
+        <pc:chgData name="Jesse Hare" userId="f26de41238ad2560" providerId="LiveId" clId="{16C2FE0C-4709-4992-A3C2-0C28529D80D0}" dt="2019-10-22T09:44:10.104" v="742" actId="207"/>
+        <pc:sldMkLst>
+          <pc:docMk/>
+          <pc:sldMk cId="1576585294" sldId="256"/>
+        </pc:sldMkLst>
+        <pc:spChg chg="mod">
+          <ac:chgData name="Jesse Hare" userId="f26de41238ad2560" providerId="LiveId" clId="{16C2FE0C-4709-4992-A3C2-0C28529D80D0}" dt="2019-10-22T09:23:09.048" v="10" actId="14100"/>
+          <ac:spMkLst>
+            <pc:docMk/>
+            <pc:sldMk cId="1576585294" sldId="256"/>
+            <ac:spMk id="2" creationId="{DA9F619D-F268-4204-BBE0-AB8EC28FEDDD}"/>
+          </ac:spMkLst>
+        </pc:spChg>
+        <pc:spChg chg="mod">
+          <ac:chgData name="Jesse Hare" userId="f26de41238ad2560" providerId="LiveId" clId="{16C2FE0C-4709-4992-A3C2-0C28529D80D0}" dt="2019-10-22T09:44:10.104" v="742" actId="207"/>
+          <ac:spMkLst>
+            <pc:docMk/>
+            <pc:sldMk cId="1576585294" sldId="256"/>
+            <ac:spMk id="3" creationId="{5CFEC770-9654-449C-8F7E-A8C3B3DC01DB}"/>
+          </ac:spMkLst>
+        </pc:spChg>
+      </pc:sldChg>
+      <pc:sldChg chg="modSp addCm modCm">
+        <pc:chgData name="Jesse Hare" userId="f26de41238ad2560" providerId="LiveId" clId="{16C2FE0C-4709-4992-A3C2-0C28529D80D0}" dt="2019-10-22T09:44:26.335" v="745" actId="207"/>
+        <pc:sldMkLst>
+          <pc:docMk/>
+          <pc:sldMk cId="3167810698" sldId="257"/>
+        </pc:sldMkLst>
+        <pc:spChg chg="mod">
+          <ac:chgData name="Jesse Hare" userId="f26de41238ad2560" providerId="LiveId" clId="{16C2FE0C-4709-4992-A3C2-0C28529D80D0}" dt="2019-10-22T09:44:26.335" v="745" actId="207"/>
+          <ac:spMkLst>
+            <pc:docMk/>
+            <pc:sldMk cId="3167810698" sldId="257"/>
+            <ac:spMk id="3" creationId="{E12D1649-305F-43C1-80D4-3A67253DB480}"/>
+          </ac:spMkLst>
+        </pc:spChg>
+        <pc:spChg chg="mod">
+          <ac:chgData name="Jesse Hare" userId="f26de41238ad2560" providerId="LiveId" clId="{16C2FE0C-4709-4992-A3C2-0C28529D80D0}" dt="2019-10-22T09:44:22.783" v="744" actId="207"/>
+          <ac:spMkLst>
+            <pc:docMk/>
+            <pc:sldMk cId="3167810698" sldId="257"/>
+            <ac:spMk id="4" creationId="{A3DC2544-E781-440F-9D90-3F56FD2ECE41}"/>
+          </ac:spMkLst>
+        </pc:spChg>
+      </pc:sldChg>
+      <pc:sldChg chg="modSp addCm modCm">
+        <pc:chgData name="Jesse Hare" userId="f26de41238ad2560" providerId="LiveId" clId="{16C2FE0C-4709-4992-A3C2-0C28529D80D0}" dt="2019-10-22T09:44:39.880" v="747" actId="207"/>
+        <pc:sldMkLst>
+          <pc:docMk/>
+          <pc:sldMk cId="2161506011" sldId="258"/>
+        </pc:sldMkLst>
+        <pc:spChg chg="mod">
+          <ac:chgData name="Jesse Hare" userId="f26de41238ad2560" providerId="LiveId" clId="{16C2FE0C-4709-4992-A3C2-0C28529D80D0}" dt="2019-10-22T09:44:34.057" v="746" actId="2711"/>
+          <ac:spMkLst>
+            <pc:docMk/>
+            <pc:sldMk cId="2161506011" sldId="258"/>
+            <ac:spMk id="2" creationId="{8BBA0B1E-25AA-4F9F-ACC1-8E16652350A8}"/>
+          </ac:spMkLst>
+        </pc:spChg>
+        <pc:spChg chg="mod">
+          <ac:chgData name="Jesse Hare" userId="f26de41238ad2560" providerId="LiveId" clId="{16C2FE0C-4709-4992-A3C2-0C28529D80D0}" dt="2019-10-22T09:44:39.880" v="747" actId="207"/>
+          <ac:spMkLst>
+            <pc:docMk/>
+            <pc:sldMk cId="2161506011" sldId="258"/>
+            <ac:spMk id="3" creationId="{0CB83B5E-FB24-40E6-8F1D-F31DCAF49C98}"/>
+          </ac:spMkLst>
+        </pc:spChg>
+      </pc:sldChg>
+      <pc:sldChg chg="modSp addCm modCm">
+        <pc:chgData name="Jesse Hare" userId="f26de41238ad2560" providerId="LiveId" clId="{16C2FE0C-4709-4992-A3C2-0C28529D80D0}" dt="2019-10-22T09:44:51.433" v="749" actId="207"/>
+        <pc:sldMkLst>
+          <pc:docMk/>
+          <pc:sldMk cId="1935416811" sldId="259"/>
+        </pc:sldMkLst>
+        <pc:spChg chg="mod">
+          <ac:chgData name="Jesse Hare" userId="f26de41238ad2560" providerId="LiveId" clId="{16C2FE0C-4709-4992-A3C2-0C28529D80D0}" dt="2019-10-22T09:44:47.674" v="748" actId="2711"/>
+          <ac:spMkLst>
+            <pc:docMk/>
+            <pc:sldMk cId="1935416811" sldId="259"/>
+            <ac:spMk id="2" creationId="{6D0BBBA0-C1A9-43F4-B27B-AA6AA1183E5D}"/>
+          </ac:spMkLst>
+        </pc:spChg>
+        <pc:spChg chg="mod">
+          <ac:chgData name="Jesse Hare" userId="f26de41238ad2560" providerId="LiveId" clId="{16C2FE0C-4709-4992-A3C2-0C28529D80D0}" dt="2019-10-22T09:44:51.433" v="749" actId="207"/>
+          <ac:spMkLst>
+            <pc:docMk/>
+            <pc:sldMk cId="1935416811" sldId="259"/>
+            <ac:spMk id="7" creationId="{1C4DDCFD-470F-4CDA-AAA1-1965C51BC872}"/>
+          </ac:spMkLst>
+        </pc:spChg>
+      </pc:sldChg>
+      <pc:sldChg chg="modSp addCm modCm">
+        <pc:chgData name="Jesse Hare" userId="f26de41238ad2560" providerId="LiveId" clId="{16C2FE0C-4709-4992-A3C2-0C28529D80D0}" dt="2019-10-22T09:44:58.698" v="750" actId="2711"/>
+        <pc:sldMkLst>
+          <pc:docMk/>
+          <pc:sldMk cId="1472199509" sldId="260"/>
+        </pc:sldMkLst>
+        <pc:spChg chg="mod">
+          <ac:chgData name="Jesse Hare" userId="f26de41238ad2560" providerId="LiveId" clId="{16C2FE0C-4709-4992-A3C2-0C28529D80D0}" dt="2019-10-22T09:44:58.698" v="750" actId="2711"/>
+          <ac:spMkLst>
+            <pc:docMk/>
+            <pc:sldMk cId="1472199509" sldId="260"/>
+            <ac:spMk id="2" creationId="{DC674D74-3F61-45B3-B492-7A25F4C84C7C}"/>
+          </ac:spMkLst>
+        </pc:spChg>
+      </pc:sldChg>
+      <pc:sldChg chg="addSp delSp modSp add delAnim modAnim addCm modCm">
+        <pc:chgData name="Jesse Hare" userId="f26de41238ad2560" providerId="LiveId" clId="{16C2FE0C-4709-4992-A3C2-0C28529D80D0}" dt="2019-10-22T09:42:51.443" v="739"/>
+        <pc:sldMkLst>
+          <pc:docMk/>
+          <pc:sldMk cId="3792589081" sldId="261"/>
+        </pc:sldMkLst>
+        <pc:spChg chg="mod">
+          <ac:chgData name="Jesse Hare" userId="f26de41238ad2560" providerId="LiveId" clId="{16C2FE0C-4709-4992-A3C2-0C28529D80D0}" dt="2019-10-22T09:34:00.702" v="97" actId="1076"/>
+          <ac:spMkLst>
+            <pc:docMk/>
+            <pc:sldMk cId="3792589081" sldId="261"/>
+            <ac:spMk id="2" creationId="{36DDD02B-9918-4F8F-B3C8-C29D04A354B4}"/>
+          </ac:spMkLst>
+        </pc:spChg>
+        <pc:spChg chg="del mod">
+          <ac:chgData name="Jesse Hare" userId="f26de41238ad2560" providerId="LiveId" clId="{16C2FE0C-4709-4992-A3C2-0C28529D80D0}" dt="2019-10-22T09:28:00.840" v="59"/>
+          <ac:spMkLst>
+            <pc:docMk/>
+            <pc:sldMk cId="3792589081" sldId="261"/>
+            <ac:spMk id="3" creationId="{4806F33F-8003-4E14-9CB3-C574D4AE4EF7}"/>
+          </ac:spMkLst>
+        </pc:spChg>
+        <pc:spChg chg="add mod">
+          <ac:chgData name="Jesse Hare" userId="f26de41238ad2560" providerId="LiveId" clId="{16C2FE0C-4709-4992-A3C2-0C28529D80D0}" dt="2019-10-22T09:32:59.988" v="88" actId="14100"/>
+          <ac:spMkLst>
+            <pc:docMk/>
+            <pc:sldMk cId="3792589081" sldId="261"/>
+            <ac:spMk id="5" creationId="{D864116B-4FAA-4CFB-91F8-B5FB1B390091}"/>
+          </ac:spMkLst>
+        </pc:spChg>
+        <pc:spChg chg="add del">
+          <ac:chgData name="Jesse Hare" userId="f26de41238ad2560" providerId="LiveId" clId="{16C2FE0C-4709-4992-A3C2-0C28529D80D0}" dt="2019-10-22T09:25:56.213" v="52" actId="478"/>
+          <ac:spMkLst>
+            <pc:docMk/>
+            <pc:sldMk cId="3792589081" sldId="261"/>
+            <ac:spMk id="6" creationId="{F94DE1E3-0EA8-4468-8C0E-894CB63BD8BB}"/>
+          </ac:spMkLst>
+        </pc:spChg>
+        <pc:spChg chg="add mod">
+          <ac:chgData name="Jesse Hare" userId="f26de41238ad2560" providerId="LiveId" clId="{16C2FE0C-4709-4992-A3C2-0C28529D80D0}" dt="2019-10-22T09:33:23.260" v="92" actId="1076"/>
+          <ac:spMkLst>
+            <pc:docMk/>
+            <pc:sldMk cId="3792589081" sldId="261"/>
+            <ac:spMk id="7" creationId="{FF18121A-B701-4E68-84AA-08E8073726A6}"/>
+          </ac:spMkLst>
+        </pc:spChg>
+        <pc:spChg chg="add mod">
+          <ac:chgData name="Jesse Hare" userId="f26de41238ad2560" providerId="LiveId" clId="{16C2FE0C-4709-4992-A3C2-0C28529D80D0}" dt="2019-10-22T09:39:50.509" v="537" actId="313"/>
+          <ac:spMkLst>
+            <pc:docMk/>
+            <pc:sldMk cId="3792589081" sldId="261"/>
+            <ac:spMk id="11" creationId="{ADCC0043-8249-4CC0-89B6-436AE119F213}"/>
+          </ac:spMkLst>
+        </pc:spChg>
+        <pc:spChg chg="del mod topLvl">
+          <ac:chgData name="Jesse Hare" userId="f26de41238ad2560" providerId="LiveId" clId="{16C2FE0C-4709-4992-A3C2-0C28529D80D0}" dt="2019-10-22T09:37:37.433" v="402" actId="478"/>
+          <ac:spMkLst>
+            <pc:docMk/>
+            <pc:sldMk cId="3792589081" sldId="261"/>
+            <ac:spMk id="13" creationId="{9D47ECA1-7580-4FC7-B446-D6100B8483A4}"/>
+          </ac:spMkLst>
+        </pc:spChg>
+        <pc:spChg chg="mod topLvl">
+          <ac:chgData name="Jesse Hare" userId="f26de41238ad2560" providerId="LiveId" clId="{16C2FE0C-4709-4992-A3C2-0C28529D80D0}" dt="2019-10-22T09:39:40.766" v="536" actId="20577"/>
+          <ac:spMkLst>
+            <pc:docMk/>
+            <pc:sldMk cId="3792589081" sldId="261"/>
+            <ac:spMk id="14" creationId="{260AB488-EA0D-49D0-8951-A4256E39C44D}"/>
+          </ac:spMkLst>
+        </pc:spChg>
+        <pc:spChg chg="mod topLvl">
+          <ac:chgData name="Jesse Hare" userId="f26de41238ad2560" providerId="LiveId" clId="{16C2FE0C-4709-4992-A3C2-0C28529D80D0}" dt="2019-10-22T09:42:00.471" v="737" actId="1076"/>
+          <ac:spMkLst>
+            <pc:docMk/>
+            <pc:sldMk cId="3792589081" sldId="261"/>
+            <ac:spMk id="16" creationId="{7E57C1E8-8581-46C3-BC4C-2C462DB4352F}"/>
+          </ac:spMkLst>
+        </pc:spChg>
+        <pc:spChg chg="del topLvl">
+          <ac:chgData name="Jesse Hare" userId="f26de41238ad2560" providerId="LiveId" clId="{16C2FE0C-4709-4992-A3C2-0C28529D80D0}" dt="2019-10-22T09:40:38.223" v="541" actId="478"/>
+          <ac:spMkLst>
+            <pc:docMk/>
+            <pc:sldMk cId="3792589081" sldId="261"/>
+            <ac:spMk id="17" creationId="{FD886527-A821-4D0B-A9F7-DEACAC520D1E}"/>
+          </ac:spMkLst>
+        </pc:spChg>
+        <pc:grpChg chg="add del mod">
+          <ac:chgData name="Jesse Hare" userId="f26de41238ad2560" providerId="LiveId" clId="{16C2FE0C-4709-4992-A3C2-0C28529D80D0}" dt="2019-10-22T09:37:37.433" v="402" actId="478"/>
+          <ac:grpSpMkLst>
+            <pc:docMk/>
+            <pc:sldMk cId="3792589081" sldId="261"/>
+            <ac:grpSpMk id="12" creationId="{4E309113-B479-4092-9046-3C5B12B70B4D}"/>
+          </ac:grpSpMkLst>
+        </pc:grpChg>
+        <pc:grpChg chg="add del mod">
+          <ac:chgData name="Jesse Hare" userId="f26de41238ad2560" providerId="LiveId" clId="{16C2FE0C-4709-4992-A3C2-0C28529D80D0}" dt="2019-10-22T09:40:38.223" v="541" actId="478"/>
+          <ac:grpSpMkLst>
+            <pc:docMk/>
+            <pc:sldMk cId="3792589081" sldId="261"/>
+            <ac:grpSpMk id="15" creationId="{EF6AFE81-BB2C-462F-915B-78CF46EB2179}"/>
+          </ac:grpSpMkLst>
+        </pc:grpChg>
+        <pc:graphicFrameChg chg="add del mod">
+          <ac:chgData name="Jesse Hare" userId="f26de41238ad2560" providerId="LiveId" clId="{16C2FE0C-4709-4992-A3C2-0C28529D80D0}" dt="2019-10-22T09:25:15.727" v="44" actId="478"/>
+          <ac:graphicFrameMkLst>
+            <pc:docMk/>
+            <pc:sldMk cId="3792589081" sldId="261"/>
+            <ac:graphicFrameMk id="4" creationId="{A0B44783-749E-4485-947C-4A59411B1915}"/>
+          </ac:graphicFrameMkLst>
+        </pc:graphicFrameChg>
+        <pc:picChg chg="add mod">
+          <ac:chgData name="Jesse Hare" userId="f26de41238ad2560" providerId="LiveId" clId="{16C2FE0C-4709-4992-A3C2-0C28529D80D0}" dt="2019-10-22T09:33:33.490" v="95" actId="1076"/>
+          <ac:picMkLst>
+            <pc:docMk/>
+            <pc:sldMk cId="3792589081" sldId="261"/>
+            <ac:picMk id="8" creationId="{AA5690C5-FDE0-4F94-8797-D2EBB1664721}"/>
+          </ac:picMkLst>
+        </pc:picChg>
+        <pc:picChg chg="add del mod">
+          <ac:chgData name="Jesse Hare" userId="f26de41238ad2560" providerId="LiveId" clId="{16C2FE0C-4709-4992-A3C2-0C28529D80D0}" dt="2019-10-22T09:32:53.458" v="86" actId="478"/>
+          <ac:picMkLst>
+            <pc:docMk/>
+            <pc:sldMk cId="3792589081" sldId="261"/>
+            <ac:picMk id="9" creationId="{65D656BC-3AA6-4617-AD31-C4D5E81E0DED}"/>
+          </ac:picMkLst>
+        </pc:picChg>
+        <pc:picChg chg="add mod">
+          <ac:chgData name="Jesse Hare" userId="f26de41238ad2560" providerId="LiveId" clId="{16C2FE0C-4709-4992-A3C2-0C28529D80D0}" dt="2019-10-22T09:32:51.448" v="85" actId="1076"/>
+          <ac:picMkLst>
+            <pc:docMk/>
+            <pc:sldMk cId="3792589081" sldId="261"/>
+            <ac:picMk id="10" creationId="{EA8F61C3-2C74-4A2B-B827-A7F041EA5BC7}"/>
+          </ac:picMkLst>
+        </pc:picChg>
+      </pc:sldChg>
+    </pc:docChg>
+  </pc:docChgLst>
+</pc:chgInfo>
+</file>
+
 <file path=ppt/comments/comment1.xml><?xml version="1.0" encoding="utf-8"?>
 <p:cmLst xmlns:a="http://schemas.openxmlformats.org/drawingml/2006/main" xmlns:r="http://schemas.openxmlformats.org/officeDocument/2006/relationships" xmlns:p="http://schemas.openxmlformats.org/presentationml/2006/main">
-  <p:cm authorId="1" dt="2019-10-21T20:24:32.783" idx="1">
+  <p:cm authorId="1" dt="2019-10-22T19:42:40.627" idx="6">
     <p:pos x="10" y="10"/>
-    <p:text>Introduce yourself, thank previous presenter, overview of following sections</p:text>
+    <p:text>introduce myself/role</p:text>
     <p:extLst>
       <p:ext uri="{C676402C-5697-4E1C-873F-D02D1690AC5C}">
         <p15:threadingInfo xmlns:p15="http://schemas.microsoft.com/office/powerpoint/2012/main" timeZoneBias="-600"/>
@@ -146,6 +408,20 @@
 </file>
 
 <file path=ppt/comments/comment2.xml><?xml version="1.0" encoding="utf-8"?>
+<p:cmLst xmlns:a="http://schemas.openxmlformats.org/drawingml/2006/main" xmlns:r="http://schemas.openxmlformats.org/officeDocument/2006/relationships" xmlns:p="http://schemas.openxmlformats.org/presentationml/2006/main">
+  <p:cm authorId="1" dt="2019-10-21T20:24:32.783" idx="1">
+    <p:pos x="10" y="10"/>
+    <p:text>Explain the following sections, the components, feature set, product demo</p:text>
+    <p:extLst>
+      <p:ext uri="{C676402C-5697-4E1C-873F-D02D1690AC5C}">
+        <p15:threadingInfo xmlns:p15="http://schemas.microsoft.com/office/powerpoint/2012/main" timeZoneBias="-600"/>
+      </p:ext>
+    </p:extLst>
+  </p:cm>
+</p:cmLst>
+</file>
+
+<file path=ppt/comments/comment3.xml><?xml version="1.0" encoding="utf-8"?>
 <p:cmLst xmlns:a="http://schemas.openxmlformats.org/drawingml/2006/main" xmlns:r="http://schemas.openxmlformats.org/officeDocument/2006/relationships" xmlns:p="http://schemas.openxmlformats.org/presentationml/2006/main">
   <p:cm authorId="1" dt="2019-10-21T20:59:53.814" idx="2">
     <p:pos x="10" y="10"/>
@@ -159,7 +435,7 @@
 </p:cmLst>
 </file>
 
-<file path=ppt/comments/comment3.xml><?xml version="1.0" encoding="utf-8"?>
+<file path=ppt/comments/comment4.xml><?xml version="1.0" encoding="utf-8"?>
 <p:cmLst xmlns:a="http://schemas.openxmlformats.org/drawingml/2006/main" xmlns:r="http://schemas.openxmlformats.org/officeDocument/2006/relationships" xmlns:p="http://schemas.openxmlformats.org/presentationml/2006/main">
   <p:cm authorId="1" dt="2019-10-21T21:00:18.782" idx="3">
     <p:pos x="10" y="10"/>
@@ -173,7 +449,7 @@
 </p:cmLst>
 </file>
 
-<file path=ppt/comments/comment4.xml><?xml version="1.0" encoding="utf-8"?>
+<file path=ppt/comments/comment5.xml><?xml version="1.0" encoding="utf-8"?>
 <p:cmLst xmlns:a="http://schemas.openxmlformats.org/drawingml/2006/main" xmlns:r="http://schemas.openxmlformats.org/officeDocument/2006/relationships" xmlns:p="http://schemas.openxmlformats.org/presentationml/2006/main">
   <p:cm authorId="1" dt="2019-10-21T21:00:28.045" idx="4">
     <p:pos x="10" y="10"/>
@@ -187,7 +463,7 @@
 </p:cmLst>
 </file>
 
-<file path=ppt/comments/comment5.xml><?xml version="1.0" encoding="utf-8"?>
+<file path=ppt/comments/comment6.xml><?xml version="1.0" encoding="utf-8"?>
 <p:cmLst xmlns:a="http://schemas.openxmlformats.org/drawingml/2006/main" xmlns:r="http://schemas.openxmlformats.org/officeDocument/2006/relationships" xmlns:p="http://schemas.openxmlformats.org/presentationml/2006/main">
   <p:cm authorId="1" dt="2019-10-21T21:00:40.624" idx="5">
     <p:pos x="10" y="10"/>
@@ -350,7 +626,7 @@
           <a:p>
             <a:fld id="{903C08DB-1C18-4B37-A565-70D278651817}" type="datetimeFigureOut">
               <a:rPr lang="en-AU" smtClean="0"/>
-              <a:t>21/10/2019</a:t>
+              <a:t>22/10/2019</a:t>
             </a:fld>
             <a:endParaRPr lang="en-AU"/>
           </a:p>
@@ -550,7 +826,7 @@
           <a:p>
             <a:fld id="{903C08DB-1C18-4B37-A565-70D278651817}" type="datetimeFigureOut">
               <a:rPr lang="en-AU" smtClean="0"/>
-              <a:t>21/10/2019</a:t>
+              <a:t>22/10/2019</a:t>
             </a:fld>
             <a:endParaRPr lang="en-AU"/>
           </a:p>
@@ -760,7 +1036,7 @@
           <a:p>
             <a:fld id="{903C08DB-1C18-4B37-A565-70D278651817}" type="datetimeFigureOut">
               <a:rPr lang="en-AU" smtClean="0"/>
-              <a:t>21/10/2019</a:t>
+              <a:t>22/10/2019</a:t>
             </a:fld>
             <a:endParaRPr lang="en-AU"/>
           </a:p>
@@ -960,7 +1236,7 @@
           <a:p>
             <a:fld id="{903C08DB-1C18-4B37-A565-70D278651817}" type="datetimeFigureOut">
               <a:rPr lang="en-AU" smtClean="0"/>
-              <a:t>21/10/2019</a:t>
+              <a:t>22/10/2019</a:t>
             </a:fld>
             <a:endParaRPr lang="en-AU"/>
           </a:p>
@@ -1236,7 +1512,7 @@
           <a:p>
             <a:fld id="{903C08DB-1C18-4B37-A565-70D278651817}" type="datetimeFigureOut">
               <a:rPr lang="en-AU" smtClean="0"/>
-              <a:t>21/10/2019</a:t>
+              <a:t>22/10/2019</a:t>
             </a:fld>
             <a:endParaRPr lang="en-AU"/>
           </a:p>
@@ -1504,7 +1780,7 @@
           <a:p>
             <a:fld id="{903C08DB-1C18-4B37-A565-70D278651817}" type="datetimeFigureOut">
               <a:rPr lang="en-AU" smtClean="0"/>
-              <a:t>21/10/2019</a:t>
+              <a:t>22/10/2019</a:t>
             </a:fld>
             <a:endParaRPr lang="en-AU"/>
           </a:p>
@@ -1919,7 +2195,7 @@
           <a:p>
             <a:fld id="{903C08DB-1C18-4B37-A565-70D278651817}" type="datetimeFigureOut">
               <a:rPr lang="en-AU" smtClean="0"/>
-              <a:t>21/10/2019</a:t>
+              <a:t>22/10/2019</a:t>
             </a:fld>
             <a:endParaRPr lang="en-AU"/>
           </a:p>
@@ -2061,7 +2337,7 @@
           <a:p>
             <a:fld id="{903C08DB-1C18-4B37-A565-70D278651817}" type="datetimeFigureOut">
               <a:rPr lang="en-AU" smtClean="0"/>
-              <a:t>21/10/2019</a:t>
+              <a:t>22/10/2019</a:t>
             </a:fld>
             <a:endParaRPr lang="en-AU"/>
           </a:p>
@@ -2174,7 +2450,7 @@
           <a:p>
             <a:fld id="{903C08DB-1C18-4B37-A565-70D278651817}" type="datetimeFigureOut">
               <a:rPr lang="en-AU" smtClean="0"/>
-              <a:t>21/10/2019</a:t>
+              <a:t>22/10/2019</a:t>
             </a:fld>
             <a:endParaRPr lang="en-AU"/>
           </a:p>
@@ -2487,7 +2763,7 @@
           <a:p>
             <a:fld id="{903C08DB-1C18-4B37-A565-70D278651817}" type="datetimeFigureOut">
               <a:rPr lang="en-AU" smtClean="0"/>
-              <a:t>21/10/2019</a:t>
+              <a:t>22/10/2019</a:t>
             </a:fld>
             <a:endParaRPr lang="en-AU"/>
           </a:p>
@@ -2776,7 +3052,7 @@
           <a:p>
             <a:fld id="{903C08DB-1C18-4B37-A565-70D278651817}" type="datetimeFigureOut">
               <a:rPr lang="en-AU" smtClean="0"/>
-              <a:t>21/10/2019</a:t>
+              <a:t>22/10/2019</a:t>
             </a:fld>
             <a:endParaRPr lang="en-AU"/>
           </a:p>
@@ -3019,7 +3295,7 @@
           <a:p>
             <a:fld id="{903C08DB-1C18-4B37-A565-70D278651817}" type="datetimeFigureOut">
               <a:rPr lang="en-AU" smtClean="0"/>
-              <a:t>21/10/2019</a:t>
+              <a:t>22/10/2019</a:t>
             </a:fld>
             <a:endParaRPr lang="en-AU"/>
           </a:p>
@@ -3441,71 +3717,490 @@
           <p:cNvPr id="2" name="Title 1">
             <a:extLst>
               <a:ext uri="{FF2B5EF4-FFF2-40B4-BE49-F238E27FC236}">
-                <a16:creationId xmlns:a16="http://schemas.microsoft.com/office/drawing/2014/main" id="{DA9F619D-F268-4204-BBE0-AB8EC28FEDDD}"/>
-              </a:ext>
-            </a:extLst>
-          </p:cNvPr>
-          <p:cNvSpPr>
-            <a:spLocks noGrp="1"/>
-          </p:cNvSpPr>
-          <p:nvPr>
-            <p:ph type="ctrTitle"/>
+                <a16:creationId xmlns:a16="http://schemas.microsoft.com/office/drawing/2014/main" id="{36DDD02B-9918-4F8F-B3C8-C29D04A354B4}"/>
+              </a:ext>
+            </a:extLst>
+          </p:cNvPr>
+          <p:cNvSpPr>
+            <a:spLocks noGrp="1"/>
+          </p:cNvSpPr>
+          <p:nvPr>
+            <p:ph type="ctrTitle" idx="4294967295"/>
           </p:nvPr>
         </p:nvSpPr>
         <p:spPr>
           <a:xfrm>
-            <a:off x="1524000" y="501577"/>
-            <a:ext cx="9144000" cy="2387600"/>
+            <a:off x="849229" y="1295400"/>
+            <a:ext cx="5472113" cy="2133600"/>
           </a:xfrm>
         </p:spPr>
         <p:txBody>
-          <a:bodyPr/>
-          <a:lstStyle/>
-          <a:p>
-            <a:r>
-              <a:rPr lang="en-AU" dirty="0"/>
-              <a:t>File Metadata Harvester and Searcher</a:t>
-            </a:r>
-          </a:p>
-        </p:txBody>
-      </p:sp>
-      <p:sp>
-        <p:nvSpPr>
-          <p:cNvPr id="3" name="Subtitle 2">
-            <a:extLst>
-              <a:ext uri="{FF2B5EF4-FFF2-40B4-BE49-F238E27FC236}">
-                <a16:creationId xmlns:a16="http://schemas.microsoft.com/office/drawing/2014/main" id="{5CFEC770-9654-449C-8F7E-A8C3B3DC01DB}"/>
-              </a:ext>
-            </a:extLst>
-          </p:cNvPr>
-          <p:cNvSpPr>
-            <a:spLocks noGrp="1"/>
-          </p:cNvSpPr>
-          <p:nvPr>
-            <p:ph type="subTitle" idx="1"/>
-          </p:nvPr>
+          <a:bodyPr>
+            <a:noAutofit/>
+          </a:bodyPr>
+          <a:lstStyle/>
+          <a:p>
+            <a:pPr algn="l"/>
+            <a:r>
+              <a:rPr lang="en-AU" sz="4800" dirty="0">
+                <a:latin typeface="Aharoni" panose="020B0604020202020204" pitchFamily="2" charset="-79"/>
+                <a:cs typeface="Aharoni" panose="020B0604020202020204" pitchFamily="2" charset="-79"/>
+              </a:rPr>
+              <a:t>Meet </a:t>
+            </a:r>
+            <a:br>
+              <a:rPr lang="en-AU" sz="4800" dirty="0">
+                <a:latin typeface="Aharoni" panose="020B0604020202020204" pitchFamily="2" charset="-79"/>
+                <a:cs typeface="Aharoni" panose="020B0604020202020204" pitchFamily="2" charset="-79"/>
+              </a:rPr>
+            </a:br>
+            <a:r>
+              <a:rPr lang="en-AU" sz="4800" dirty="0">
+                <a:latin typeface="Aharoni" panose="020B0604020202020204" pitchFamily="2" charset="-79"/>
+                <a:cs typeface="Aharoni" panose="020B0604020202020204" pitchFamily="2" charset="-79"/>
+              </a:rPr>
+              <a:t>Jesse Hare.</a:t>
+            </a:r>
+          </a:p>
+        </p:txBody>
+      </p:sp>
+      <p:sp>
+        <p:nvSpPr>
+          <p:cNvPr id="5" name="Rectangle">
+            <a:extLst>
+              <a:ext uri="{FF2B5EF4-FFF2-40B4-BE49-F238E27FC236}">
+                <a16:creationId xmlns:a16="http://schemas.microsoft.com/office/drawing/2014/main" id="{D864116B-4FAA-4CFB-91F8-B5FB1B390091}"/>
+              </a:ext>
+            </a:extLst>
+          </p:cNvPr>
+          <p:cNvSpPr/>
+          <p:nvPr/>
         </p:nvSpPr>
         <p:spPr>
           <a:xfrm>
-            <a:off x="1582723" y="3643983"/>
-            <a:ext cx="9144000" cy="1655762"/>
+            <a:off x="9906000" y="3943350"/>
+            <a:ext cx="2286002" cy="2914651"/>
           </a:xfrm>
+          <a:prstGeom prst="rect">
+            <a:avLst/>
+          </a:prstGeom>
+          <a:solidFill>
+            <a:srgbClr val="1C1F25"/>
+          </a:solidFill>
+          <a:ln w="12700">
+            <a:miter lim="400000"/>
+          </a:ln>
         </p:spPr>
         <p:txBody>
-          <a:bodyPr/>
-          <a:lstStyle/>
-          <a:p>
-            <a:r>
-              <a:rPr lang="en-AU" dirty="0"/>
-              <a:t>An invaluable utility for extracting file metadata for display in an intuitive, feature packed user interface</a:t>
-            </a:r>
+          <a:bodyPr lIns="0" tIns="0" rIns="0" bIns="0" anchor="ctr"/>
+          <a:lstStyle/>
+          <a:p>
+            <a:pPr algn="ctr" defTabSz="825500" hangingPunct="0">
+              <a:defRPr sz="3200" b="0">
+                <a:solidFill>
+                  <a:srgbClr val="FFFFFF"/>
+                </a:solidFill>
+                <a:latin typeface="+mn-lt"/>
+                <a:ea typeface="+mn-ea"/>
+                <a:cs typeface="+mn-cs"/>
+                <a:sym typeface="Helvetica Neue Medium"/>
+              </a:defRPr>
+            </a:pPr>
+            <a:endParaRPr sz="3200" kern="0" dirty="0">
+              <a:solidFill>
+                <a:srgbClr val="FFFFFF"/>
+              </a:solidFill>
+              <a:latin typeface="Helvetica Neue Medium"/>
+              <a:sym typeface="Helvetica Neue Medium"/>
+            </a:endParaRPr>
+          </a:p>
+        </p:txBody>
+      </p:sp>
+      <p:sp>
+        <p:nvSpPr>
+          <p:cNvPr id="7" name="TextBox 6">
+            <a:extLst>
+              <a:ext uri="{FF2B5EF4-FFF2-40B4-BE49-F238E27FC236}">
+                <a16:creationId xmlns:a16="http://schemas.microsoft.com/office/drawing/2014/main" id="{FF18121A-B701-4E68-84AA-08E8073726A6}"/>
+              </a:ext>
+            </a:extLst>
+          </p:cNvPr>
+          <p:cNvSpPr txBox="1"/>
+          <p:nvPr/>
+        </p:nvSpPr>
+        <p:spPr>
+          <a:xfrm>
+            <a:off x="8939463" y="5619478"/>
+            <a:ext cx="4219074" cy="830997"/>
+          </a:xfrm>
+          <a:prstGeom prst="rect">
+            <a:avLst/>
+          </a:prstGeom>
+          <a:noFill/>
+        </p:spPr>
+        <p:txBody>
+          <a:bodyPr wrap="square" rtlCol="0">
+            <a:spAutoFit/>
+          </a:bodyPr>
+          <a:lstStyle/>
+          <a:p>
+            <a:pPr algn="ctr">
+              <a:lnSpc>
+                <a:spcPct val="150000"/>
+              </a:lnSpc>
+              <a:defRPr sz="2200" b="0">
+                <a:solidFill>
+                  <a:srgbClr val="F7F9FF"/>
+                </a:solidFill>
+                <a:latin typeface="Quicksand Regular"/>
+                <a:ea typeface="Quicksand Regular"/>
+                <a:cs typeface="Quicksand Regular"/>
+                <a:sym typeface="Quicksand Regular"/>
+              </a:defRPr>
+            </a:pPr>
+            <a:r>
+              <a:rPr lang="en-AU" sz="1200" i="1" dirty="0">
+                <a:latin typeface="Helvetica Bold Oblique"/>
+              </a:rPr>
+              <a:t>Front-End Developer</a:t>
+            </a:r>
+          </a:p>
+          <a:p>
+            <a:pPr algn="ctr">
+              <a:lnSpc>
+                <a:spcPct val="150000"/>
+              </a:lnSpc>
+              <a:defRPr sz="2200" b="0">
+                <a:solidFill>
+                  <a:srgbClr val="F7F9FF"/>
+                </a:solidFill>
+                <a:latin typeface="Quicksand Regular"/>
+                <a:ea typeface="Quicksand Regular"/>
+                <a:cs typeface="Quicksand Regular"/>
+                <a:sym typeface="Quicksand Regular"/>
+              </a:defRPr>
+            </a:pPr>
+            <a:r>
+              <a:rPr lang="en-AU" sz="1200" dirty="0">
+                <a:latin typeface="Helvetica Bold Oblique"/>
+              </a:rPr>
+              <a:t>File Metadata Harvester Project</a:t>
+            </a:r>
+          </a:p>
+          <a:p>
+            <a:endParaRPr lang="en-AU" sz="1200" dirty="0"/>
+          </a:p>
+        </p:txBody>
+      </p:sp>
+      <p:pic>
+        <p:nvPicPr>
+          <p:cNvPr id="8" name="Picture 7">
+            <a:extLst>
+              <a:ext uri="{FF2B5EF4-FFF2-40B4-BE49-F238E27FC236}">
+                <a16:creationId xmlns:a16="http://schemas.microsoft.com/office/drawing/2014/main" id="{AA5690C5-FDE0-4F94-8797-D2EBB1664721}"/>
+              </a:ext>
+            </a:extLst>
+          </p:cNvPr>
+          <p:cNvPicPr>
+            <a:picLocks noChangeAspect="1"/>
+          </p:cNvPicPr>
+          <p:nvPr/>
+        </p:nvPicPr>
+        <p:blipFill>
+          <a:blip r:embed="rId2"/>
+          <a:stretch>
+            <a:fillRect/>
+          </a:stretch>
+        </p:blipFill>
+        <p:spPr>
+          <a:xfrm>
+            <a:off x="10681793" y="4829176"/>
+            <a:ext cx="729770" cy="586678"/>
+          </a:xfrm>
+          <a:prstGeom prst="rect">
+            <a:avLst/>
+          </a:prstGeom>
+        </p:spPr>
+      </p:pic>
+      <p:pic>
+        <p:nvPicPr>
+          <p:cNvPr id="10" name="Picture 9">
+            <a:extLst>
+              <a:ext uri="{FF2B5EF4-FFF2-40B4-BE49-F238E27FC236}">
+                <a16:creationId xmlns:a16="http://schemas.microsoft.com/office/drawing/2014/main" id="{EA8F61C3-2C74-4A2B-B827-A7F041EA5BC7}"/>
+              </a:ext>
+            </a:extLst>
+          </p:cNvPr>
+          <p:cNvPicPr>
+            <a:picLocks noChangeAspect="1"/>
+          </p:cNvPicPr>
+          <p:nvPr/>
+        </p:nvPicPr>
+        <p:blipFill>
+          <a:blip r:embed="rId3"/>
+          <a:stretch>
+            <a:fillRect/>
+          </a:stretch>
+        </p:blipFill>
+        <p:spPr>
+          <a:xfrm>
+            <a:off x="9906000" y="0"/>
+            <a:ext cx="2286000" cy="3943350"/>
+          </a:xfrm>
+          <a:prstGeom prst="rect">
+            <a:avLst/>
+          </a:prstGeom>
+        </p:spPr>
+      </p:pic>
+      <p:sp>
+        <p:nvSpPr>
+          <p:cNvPr id="11" name="TextBox 10">
+            <a:extLst>
+              <a:ext uri="{FF2B5EF4-FFF2-40B4-BE49-F238E27FC236}">
+                <a16:creationId xmlns:a16="http://schemas.microsoft.com/office/drawing/2014/main" id="{ADCC0043-8249-4CC0-89B6-436AE119F213}"/>
+              </a:ext>
+            </a:extLst>
+          </p:cNvPr>
+          <p:cNvSpPr txBox="1"/>
+          <p:nvPr/>
+        </p:nvSpPr>
+        <p:spPr>
+          <a:xfrm>
+            <a:off x="849229" y="3695700"/>
+            <a:ext cx="4219074" cy="2123658"/>
+          </a:xfrm>
+          <a:prstGeom prst="rect">
+            <a:avLst/>
+          </a:prstGeom>
+          <a:noFill/>
+        </p:spPr>
+        <p:txBody>
+          <a:bodyPr wrap="square" rtlCol="0">
+            <a:spAutoFit/>
+          </a:bodyPr>
+          <a:lstStyle/>
+          <a:p>
+            <a:r>
+              <a:rPr lang="en-AU" sz="2200" dirty="0">
+                <a:solidFill>
+                  <a:schemeClr val="tx1">
+                    <a:lumMod val="50000"/>
+                    <a:lumOff val="50000"/>
+                  </a:schemeClr>
+                </a:solidFill>
+                <a:latin typeface="Calibri" panose="020F0502020204030204" pitchFamily="34" charset="0"/>
+                <a:cs typeface="Calibri" panose="020F0502020204030204" pitchFamily="34" charset="0"/>
+              </a:rPr>
+              <a:t>Hey there, my name is Jesse Hare. </a:t>
+            </a:r>
+          </a:p>
+          <a:p>
+            <a:r>
+              <a:rPr lang="en-AU" sz="2200" dirty="0">
+                <a:solidFill>
+                  <a:schemeClr val="tx1">
+                    <a:lumMod val="50000"/>
+                    <a:lumOff val="50000"/>
+                  </a:schemeClr>
+                </a:solidFill>
+                <a:latin typeface="Calibri" panose="020F0502020204030204" pitchFamily="34" charset="0"/>
+                <a:cs typeface="Calibri" panose="020F0502020204030204" pitchFamily="34" charset="0"/>
+              </a:rPr>
+              <a:t>I am part of the Front-End team for USQ Learning Emporium. Myself and Ryan Sharp were responsible for the design and development of the File Metadata Searcher GUI.</a:t>
+            </a:r>
+          </a:p>
+        </p:txBody>
+      </p:sp>
+      <p:sp>
+        <p:nvSpPr>
+          <p:cNvPr id="14" name="Promotion…">
+            <a:extLst>
+              <a:ext uri="{FF2B5EF4-FFF2-40B4-BE49-F238E27FC236}">
+                <a16:creationId xmlns:a16="http://schemas.microsoft.com/office/drawing/2014/main" id="{260AB488-EA0D-49D0-8951-A4256E39C44D}"/>
+              </a:ext>
+            </a:extLst>
+          </p:cNvPr>
+          <p:cNvSpPr txBox="1"/>
+          <p:nvPr/>
+        </p:nvSpPr>
+        <p:spPr>
+          <a:xfrm>
+            <a:off x="5610225" y="971094"/>
+            <a:ext cx="3881958" cy="1886542"/>
+          </a:xfrm>
+          <a:prstGeom prst="rect">
+            <a:avLst/>
+          </a:prstGeom>
+          <a:noFill/>
+          <a:ln w="12700" cap="flat">
+            <a:noFill/>
+            <a:miter lim="400000"/>
+          </a:ln>
+          <a:effectLst/>
+          <a:extLst>
+            <a:ext uri="{C572A759-6A51-4108-AA02-DFA0A04FC94B}">
+              <ma14:wrappingTextBoxFlag xmlns="" xmlns:ma14="http://schemas.microsoft.com/office/mac/drawingml/2011/main" val="1"/>
+            </a:ext>
+          </a:extLst>
+        </p:spPr>
+        <p:txBody>
+          <a:bodyPr wrap="square" lIns="0" tIns="0" rIns="0" bIns="0" numCol="1" anchor="t">
+            <a:spAutoFit/>
+          </a:bodyPr>
+          <a:lstStyle/>
+          <a:p>
+            <a:pPr algn="l">
+              <a:lnSpc>
+                <a:spcPct val="150000"/>
+              </a:lnSpc>
+              <a:defRPr b="0">
+                <a:solidFill>
+                  <a:srgbClr val="2C2E3C"/>
+                </a:solidFill>
+                <a:latin typeface="Quicksand Bold"/>
+                <a:ea typeface="Quicksand Bold"/>
+                <a:cs typeface="Quicksand Bold"/>
+                <a:sym typeface="Quicksand Bold"/>
+              </a:defRPr>
+            </a:pPr>
+            <a:r>
+              <a:rPr lang="en-AU" dirty="0">
+                <a:latin typeface="Calibri" panose="020F0502020204030204" pitchFamily="34" charset="0"/>
+                <a:cs typeface="Calibri" panose="020F0502020204030204" pitchFamily="34" charset="0"/>
+              </a:rPr>
+              <a:t>Front-End Development</a:t>
+            </a:r>
+            <a:endParaRPr dirty="0">
+              <a:latin typeface="Calibri" panose="020F0502020204030204" pitchFamily="34" charset="0"/>
+              <a:cs typeface="Calibri" panose="020F0502020204030204" pitchFamily="34" charset="0"/>
+            </a:endParaRPr>
+          </a:p>
+          <a:p>
+            <a:pPr algn="l">
+              <a:lnSpc>
+                <a:spcPct val="150000"/>
+              </a:lnSpc>
+              <a:defRPr sz="2200" b="0">
+                <a:solidFill>
+                  <a:srgbClr val="6A6E77"/>
+                </a:solidFill>
+                <a:latin typeface="Quicksand Regular"/>
+                <a:ea typeface="Quicksand Regular"/>
+                <a:cs typeface="Quicksand Regular"/>
+                <a:sym typeface="Quicksand Regular"/>
+              </a:defRPr>
+            </a:pPr>
+            <a:r>
+              <a:rPr lang="en-AU" dirty="0">
+                <a:latin typeface="Calibri" panose="020F0502020204030204" pitchFamily="34" charset="0"/>
+                <a:cs typeface="Calibri" panose="020F0502020204030204" pitchFamily="34" charset="0"/>
+              </a:rPr>
+              <a:t>Myself and Ryan Sharp worked together on the Front-End design and development.</a:t>
+            </a:r>
+            <a:endParaRPr dirty="0">
+              <a:latin typeface="Calibri" panose="020F0502020204030204" pitchFamily="34" charset="0"/>
+              <a:cs typeface="Calibri" panose="020F0502020204030204" pitchFamily="34" charset="0"/>
+            </a:endParaRPr>
+          </a:p>
+        </p:txBody>
+      </p:sp>
+      <p:sp>
+        <p:nvSpPr>
+          <p:cNvPr id="16" name="Marketing…">
+            <a:extLst>
+              <a:ext uri="{FF2B5EF4-FFF2-40B4-BE49-F238E27FC236}">
+                <a16:creationId xmlns:a16="http://schemas.microsoft.com/office/drawing/2014/main" id="{7E57C1E8-8581-46C3-BC4C-2C462DB4352F}"/>
+              </a:ext>
+            </a:extLst>
+          </p:cNvPr>
+          <p:cNvSpPr txBox="1"/>
+          <p:nvPr/>
+        </p:nvSpPr>
+        <p:spPr>
+          <a:xfrm>
+            <a:off x="5548550" y="3557795"/>
+            <a:ext cx="3877202" cy="2902205"/>
+          </a:xfrm>
+          <a:prstGeom prst="rect">
+            <a:avLst/>
+          </a:prstGeom>
+          <a:noFill/>
+          <a:ln w="12700" cap="flat">
+            <a:noFill/>
+            <a:miter lim="400000"/>
+          </a:ln>
+          <a:effectLst/>
+          <a:extLst>
+            <a:ext uri="{C572A759-6A51-4108-AA02-DFA0A04FC94B}">
+              <ma14:wrappingTextBoxFlag xmlns="" xmlns:ma14="http://schemas.microsoft.com/office/mac/drawingml/2011/main" val="1"/>
+            </a:ext>
+          </a:extLst>
+        </p:spPr>
+        <p:txBody>
+          <a:bodyPr wrap="square" lIns="0" tIns="0" rIns="0" bIns="0" numCol="1" anchor="t">
+            <a:spAutoFit/>
+          </a:bodyPr>
+          <a:lstStyle/>
+          <a:p>
+            <a:pPr algn="l">
+              <a:lnSpc>
+                <a:spcPct val="150000"/>
+              </a:lnSpc>
+              <a:defRPr b="0">
+                <a:solidFill>
+                  <a:srgbClr val="2C2E3C"/>
+                </a:solidFill>
+                <a:latin typeface="Quicksand Bold"/>
+                <a:ea typeface="Quicksand Bold"/>
+                <a:cs typeface="Quicksand Bold"/>
+                <a:sym typeface="Quicksand Bold"/>
+              </a:defRPr>
+            </a:pPr>
+            <a:r>
+              <a:rPr lang="en-AU" dirty="0">
+                <a:latin typeface="Calibri" panose="020F0502020204030204" pitchFamily="34" charset="0"/>
+                <a:cs typeface="Calibri" panose="020F0502020204030204" pitchFamily="34" charset="0"/>
+              </a:rPr>
+              <a:t>Full-Stack Integration</a:t>
+            </a:r>
+            <a:endParaRPr dirty="0">
+              <a:latin typeface="Calibri" panose="020F0502020204030204" pitchFamily="34" charset="0"/>
+              <a:cs typeface="Calibri" panose="020F0502020204030204" pitchFamily="34" charset="0"/>
+            </a:endParaRPr>
+          </a:p>
+          <a:p>
+            <a:pPr algn="l">
+              <a:lnSpc>
+                <a:spcPct val="150000"/>
+              </a:lnSpc>
+              <a:defRPr sz="2200" b="0">
+                <a:solidFill>
+                  <a:srgbClr val="6A6E77"/>
+                </a:solidFill>
+                <a:latin typeface="Quicksand Regular"/>
+                <a:ea typeface="Quicksand Regular"/>
+                <a:cs typeface="Quicksand Regular"/>
+                <a:sym typeface="Quicksand Regular"/>
+              </a:defRPr>
+            </a:pPr>
+            <a:r>
+              <a:rPr lang="en-AU" dirty="0">
+                <a:latin typeface="Calibri" panose="020F0502020204030204" pitchFamily="34" charset="0"/>
+                <a:cs typeface="Calibri" panose="020F0502020204030204" pitchFamily="34" charset="0"/>
+              </a:rPr>
+              <a:t>I was also responsible for testing between the core components and ensuring that they communicated in the right format.</a:t>
+            </a:r>
+            <a:endParaRPr dirty="0">
+              <a:latin typeface="Calibri" panose="020F0502020204030204" pitchFamily="34" charset="0"/>
+              <a:cs typeface="Calibri" panose="020F0502020204030204" pitchFamily="34" charset="0"/>
+            </a:endParaRPr>
           </a:p>
         </p:txBody>
       </p:sp>
     </p:spTree>
     <p:extLst>
       <p:ext uri="{BB962C8B-B14F-4D97-AF65-F5344CB8AC3E}">
-        <p14:creationId xmlns:p14="http://schemas.microsoft.com/office/powerpoint/2010/main" val="1576585294"/>
+        <p14:creationId xmlns:p14="http://schemas.microsoft.com/office/powerpoint/2010/main" val="3792589081"/>
       </p:ext>
     </p:extLst>
   </p:cSld>
@@ -3537,117 +4232,75 @@
           <p:cNvPr id="2" name="Title 1">
             <a:extLst>
               <a:ext uri="{FF2B5EF4-FFF2-40B4-BE49-F238E27FC236}">
-                <a16:creationId xmlns:a16="http://schemas.microsoft.com/office/drawing/2014/main" id="{7127A044-7DEA-46FD-A127-134402CA5134}"/>
-              </a:ext>
-            </a:extLst>
-          </p:cNvPr>
-          <p:cNvSpPr>
-            <a:spLocks noGrp="1"/>
-          </p:cNvSpPr>
-          <p:nvPr>
-            <p:ph type="title"/>
-          </p:nvPr>
-        </p:nvSpPr>
-        <p:spPr/>
-        <p:txBody>
-          <a:bodyPr/>
-          <a:lstStyle/>
-          <a:p>
-            <a:r>
-              <a:rPr lang="en-AU" dirty="0"/>
-              <a:t>The two core components</a:t>
-            </a:r>
-          </a:p>
-        </p:txBody>
-      </p:sp>
-      <p:sp>
-        <p:nvSpPr>
-          <p:cNvPr id="3" name="Content Placeholder 2">
-            <a:extLst>
-              <a:ext uri="{FF2B5EF4-FFF2-40B4-BE49-F238E27FC236}">
-                <a16:creationId xmlns:a16="http://schemas.microsoft.com/office/drawing/2014/main" id="{E12D1649-305F-43C1-80D4-3A67253DB480}"/>
-              </a:ext>
-            </a:extLst>
-          </p:cNvPr>
-          <p:cNvSpPr>
-            <a:spLocks noGrp="1"/>
-          </p:cNvSpPr>
-          <p:nvPr>
-            <p:ph sz="half" idx="1"/>
-          </p:nvPr>
-        </p:nvSpPr>
-        <p:spPr/>
-        <p:txBody>
-          <a:bodyPr/>
-          <a:lstStyle/>
-          <a:p>
-            <a:pPr marL="0" indent="0">
-              <a:buNone/>
-            </a:pPr>
-            <a:r>
-              <a:rPr lang="en-AU" dirty="0"/>
-              <a:t>The Metadata Harvester</a:t>
-            </a:r>
-          </a:p>
-          <a:p>
-            <a:r>
-              <a:rPr lang="en-AU" dirty="0"/>
-              <a:t>Conducts a search in a specified directory, extracting metadata from a broad spectrum of file types</a:t>
-            </a:r>
-          </a:p>
-          <a:p>
-            <a:r>
-              <a:rPr lang="en-AU" dirty="0"/>
-              <a:t>File metadata extracted is then formatted into a csv file for use by the Searcher GUI</a:t>
-            </a:r>
-          </a:p>
-        </p:txBody>
-      </p:sp>
-      <p:sp>
-        <p:nvSpPr>
-          <p:cNvPr id="4" name="Content Placeholder 3">
-            <a:extLst>
-              <a:ext uri="{FF2B5EF4-FFF2-40B4-BE49-F238E27FC236}">
-                <a16:creationId xmlns:a16="http://schemas.microsoft.com/office/drawing/2014/main" id="{A3DC2544-E781-440F-9D90-3F56FD2ECE41}"/>
-              </a:ext>
-            </a:extLst>
-          </p:cNvPr>
-          <p:cNvSpPr>
-            <a:spLocks noGrp="1"/>
-          </p:cNvSpPr>
-          <p:nvPr>
-            <p:ph sz="half" idx="2"/>
-          </p:nvPr>
-        </p:nvSpPr>
-        <p:spPr/>
-        <p:txBody>
-          <a:bodyPr/>
-          <a:lstStyle/>
-          <a:p>
-            <a:pPr marL="0" indent="0">
-              <a:buNone/>
-            </a:pPr>
-            <a:r>
-              <a:rPr lang="en-AU" dirty="0"/>
-              <a:t>The Metadata Searcher GUI</a:t>
-            </a:r>
-          </a:p>
-          <a:p>
-            <a:r>
-              <a:rPr lang="en-AU" dirty="0"/>
-              <a:t>Takes output from the Harvester program and displays in a feature packed GUI</a:t>
-            </a:r>
-          </a:p>
-          <a:p>
-            <a:r>
-              <a:rPr lang="en-AU" dirty="0"/>
-              <a:t>Enables searching, sorting and filtering of file metadata against multiple fields at once</a:t>
-            </a:r>
-          </a:p>
-          <a:p>
-            <a:r>
-              <a:rPr lang="en-AU" dirty="0"/>
-              <a:t>User can also open files from within the GUI</a:t>
+                <a16:creationId xmlns:a16="http://schemas.microsoft.com/office/drawing/2014/main" id="{DA9F619D-F268-4204-BBE0-AB8EC28FEDDD}"/>
+              </a:ext>
+            </a:extLst>
+          </p:cNvPr>
+          <p:cNvSpPr>
+            <a:spLocks noGrp="1"/>
+          </p:cNvSpPr>
+          <p:nvPr>
+            <p:ph type="ctrTitle"/>
+          </p:nvPr>
+        </p:nvSpPr>
+        <p:spPr>
+          <a:xfrm>
+            <a:off x="1524000" y="501576"/>
+            <a:ext cx="9144000" cy="3290247"/>
+          </a:xfrm>
+        </p:spPr>
+        <p:txBody>
+          <a:bodyPr>
+            <a:noAutofit/>
+          </a:bodyPr>
+          <a:lstStyle/>
+          <a:p>
+            <a:r>
+              <a:rPr lang="en-AU" sz="7000" dirty="0">
+                <a:latin typeface="Aharoni" panose="020B0604020202020204" pitchFamily="2" charset="-79"/>
+                <a:cs typeface="Aharoni" panose="020B0604020202020204" pitchFamily="2" charset="-79"/>
+              </a:rPr>
+              <a:t>File Metadata Harvester and Searcher</a:t>
+            </a:r>
+          </a:p>
+        </p:txBody>
+      </p:sp>
+      <p:sp>
+        <p:nvSpPr>
+          <p:cNvPr id="3" name="Subtitle 2">
+            <a:extLst>
+              <a:ext uri="{FF2B5EF4-FFF2-40B4-BE49-F238E27FC236}">
+                <a16:creationId xmlns:a16="http://schemas.microsoft.com/office/drawing/2014/main" id="{5CFEC770-9654-449C-8F7E-A8C3B3DC01DB}"/>
+              </a:ext>
+            </a:extLst>
+          </p:cNvPr>
+          <p:cNvSpPr>
+            <a:spLocks noGrp="1"/>
+          </p:cNvSpPr>
+          <p:nvPr>
+            <p:ph type="subTitle" idx="1"/>
+          </p:nvPr>
+        </p:nvSpPr>
+        <p:spPr>
+          <a:xfrm>
+            <a:off x="1582723" y="4231212"/>
+            <a:ext cx="9144000" cy="1655762"/>
+          </a:xfrm>
+        </p:spPr>
+        <p:txBody>
+          <a:bodyPr/>
+          <a:lstStyle/>
+          <a:p>
+            <a:r>
+              <a:rPr lang="en-AU" dirty="0">
+                <a:solidFill>
+                  <a:schemeClr val="tx1">
+                    <a:lumMod val="50000"/>
+                    <a:lumOff val="50000"/>
+                  </a:schemeClr>
+                </a:solidFill>
+              </a:rPr>
+              <a:t>An invaluable utility for extracting file metadata for display in an intuitive, feature packed user interface</a:t>
             </a:r>
           </a:p>
         </p:txBody>
@@ -3655,7 +4308,7 @@
     </p:spTree>
     <p:extLst>
       <p:ext uri="{BB962C8B-B14F-4D97-AF65-F5344CB8AC3E}">
-        <p14:creationId xmlns:p14="http://schemas.microsoft.com/office/powerpoint/2010/main" val="3167810698"/>
+        <p14:creationId xmlns:p14="http://schemas.microsoft.com/office/powerpoint/2010/main" val="1576585294"/>
       </p:ext>
     </p:extLst>
   </p:cSld>
@@ -3687,7 +4340,7 @@
           <p:cNvPr id="2" name="Title 1">
             <a:extLst>
               <a:ext uri="{FF2B5EF4-FFF2-40B4-BE49-F238E27FC236}">
-                <a16:creationId xmlns:a16="http://schemas.microsoft.com/office/drawing/2014/main" id="{8BBA0B1E-25AA-4F9F-ACC1-8E16652350A8}"/>
+                <a16:creationId xmlns:a16="http://schemas.microsoft.com/office/drawing/2014/main" id="{7127A044-7DEA-46FD-A127-134402CA5134}"/>
               </a:ext>
             </a:extLst>
           </p:cNvPr>
@@ -3705,7 +4358,7 @@
           <a:p>
             <a:r>
               <a:rPr lang="en-AU" dirty="0"/>
-              <a:t>Metadata Harvester features</a:t>
+              <a:t>The two core components</a:t>
             </a:r>
           </a:p>
         </p:txBody>
@@ -3715,7 +4368,7 @@
           <p:cNvPr id="3" name="Content Placeholder 2">
             <a:extLst>
               <a:ext uri="{FF2B5EF4-FFF2-40B4-BE49-F238E27FC236}">
-                <a16:creationId xmlns:a16="http://schemas.microsoft.com/office/drawing/2014/main" id="{0CB83B5E-FB24-40E6-8F1D-F31DCAF49C98}"/>
+                <a16:creationId xmlns:a16="http://schemas.microsoft.com/office/drawing/2014/main" id="{E12D1649-305F-43C1-80D4-3A67253DB480}"/>
               </a:ext>
             </a:extLst>
           </p:cNvPr>
@@ -3726,44 +4379,113 @@
             <p:ph sz="half" idx="1"/>
           </p:nvPr>
         </p:nvSpPr>
-        <p:spPr>
-          <a:xfrm>
-            <a:off x="838200" y="1825625"/>
-            <a:ext cx="10515600" cy="4351338"/>
-          </a:xfrm>
-        </p:spPr>
-        <p:txBody>
-          <a:bodyPr/>
-          <a:lstStyle/>
-          <a:p>
+        <p:spPr/>
+        <p:txBody>
+          <a:bodyPr/>
+          <a:lstStyle/>
+          <a:p>
+            <a:pPr marL="0" indent="0">
+              <a:buNone/>
+            </a:pPr>
             <a:r>
               <a:rPr lang="en-AU" dirty="0"/>
-              <a:t>Search for file metadata is targeted at a specified directory</a:t>
-            </a:r>
-          </a:p>
-          <a:p>
+              <a:t>The Metadata Harvester</a:t>
+            </a:r>
+          </a:p>
+          <a:p>
+            <a:r>
+              <a:rPr lang="en-AU" dirty="0">
+                <a:solidFill>
+                  <a:schemeClr val="tx1">
+                    <a:lumMod val="50000"/>
+                    <a:lumOff val="50000"/>
+                  </a:schemeClr>
+                </a:solidFill>
+              </a:rPr>
+              <a:t>Conducts a search in a specified directory, extracting metadata from a broad spectrum of file types</a:t>
+            </a:r>
+          </a:p>
+          <a:p>
+            <a:r>
+              <a:rPr lang="en-AU" dirty="0">
+                <a:solidFill>
+                  <a:schemeClr val="tx1">
+                    <a:lumMod val="50000"/>
+                    <a:lumOff val="50000"/>
+                  </a:schemeClr>
+                </a:solidFill>
+              </a:rPr>
+              <a:t>File metadata extracted is then formatted into a csv file for use by the Searcher GUI</a:t>
+            </a:r>
+          </a:p>
+        </p:txBody>
+      </p:sp>
+      <p:sp>
+        <p:nvSpPr>
+          <p:cNvPr id="4" name="Content Placeholder 3">
+            <a:extLst>
+              <a:ext uri="{FF2B5EF4-FFF2-40B4-BE49-F238E27FC236}">
+                <a16:creationId xmlns:a16="http://schemas.microsoft.com/office/drawing/2014/main" id="{A3DC2544-E781-440F-9D90-3F56FD2ECE41}"/>
+              </a:ext>
+            </a:extLst>
+          </p:cNvPr>
+          <p:cNvSpPr>
+            <a:spLocks noGrp="1"/>
+          </p:cNvSpPr>
+          <p:nvPr>
+            <p:ph sz="half" idx="2"/>
+          </p:nvPr>
+        </p:nvSpPr>
+        <p:spPr/>
+        <p:txBody>
+          <a:bodyPr/>
+          <a:lstStyle/>
+          <a:p>
+            <a:pPr marL="0" indent="0">
+              <a:buNone/>
+            </a:pPr>
             <a:r>
               <a:rPr lang="en-AU" dirty="0"/>
-              <a:t>User has the option to perform a recursive search-this will also search all subdirectories within the specified directory and extract file metadata</a:t>
-            </a:r>
-          </a:p>
-          <a:p>
-            <a:r>
-              <a:rPr lang="en-AU" dirty="0"/>
-              <a:t>Extracts metadata for a range of file types, included but not limited to: </a:t>
-            </a:r>
-          </a:p>
-          <a:p>
-            <a:pPr lvl="1"/>
-            <a:r>
-              <a:rPr lang="en-AU" dirty="0"/>
-              <a:t>'bzip2','cab','gzip','mar','tar','zip','aiff','mpeg','real_audio','sun_next_snd','matroska','ogg','real_media','riff','bmp','gif','ico','jpeg','pcx','png','psd','targa','tiff','wmf','xcf','ole2','pcf','torrent','ttf','exe','asf','flv','mov’,’pdf’ and many more</a:t>
-            </a:r>
-          </a:p>
-          <a:p>
-            <a:r>
-              <a:rPr lang="en-AU" dirty="0"/>
-              <a:t>Outputs all harvested metadata to a user-specified csv file</a:t>
+              <a:t>The Metadata Searcher GUI</a:t>
+            </a:r>
+          </a:p>
+          <a:p>
+            <a:r>
+              <a:rPr lang="en-AU" dirty="0">
+                <a:solidFill>
+                  <a:schemeClr val="tx1">
+                    <a:lumMod val="50000"/>
+                    <a:lumOff val="50000"/>
+                  </a:schemeClr>
+                </a:solidFill>
+              </a:rPr>
+              <a:t>Takes output from the Harvester program and displays in a feature packed GUI</a:t>
+            </a:r>
+          </a:p>
+          <a:p>
+            <a:r>
+              <a:rPr lang="en-AU" dirty="0">
+                <a:solidFill>
+                  <a:schemeClr val="tx1">
+                    <a:lumMod val="50000"/>
+                    <a:lumOff val="50000"/>
+                  </a:schemeClr>
+                </a:solidFill>
+              </a:rPr>
+              <a:t>Enables searching, sorting and filtering of file metadata against multiple fields at once</a:t>
+            </a:r>
+          </a:p>
+          <a:p>
+            <a:r>
+              <a:rPr lang="en-AU" dirty="0">
+                <a:solidFill>
+                  <a:schemeClr val="tx1">
+                    <a:lumMod val="50000"/>
+                    <a:lumOff val="50000"/>
+                  </a:schemeClr>
+                </a:solidFill>
+              </a:rPr>
+              <a:t>User can also open files from within the GUI</a:t>
             </a:r>
           </a:p>
         </p:txBody>
@@ -3771,7 +4493,7 @@
     </p:spTree>
     <p:extLst>
       <p:ext uri="{BB962C8B-B14F-4D97-AF65-F5344CB8AC3E}">
-        <p14:creationId xmlns:p14="http://schemas.microsoft.com/office/powerpoint/2010/main" val="2161506011"/>
+        <p14:creationId xmlns:p14="http://schemas.microsoft.com/office/powerpoint/2010/main" val="3167810698"/>
       </p:ext>
     </p:extLst>
   </p:cSld>
@@ -3803,7 +4525,7 @@
           <p:cNvPr id="2" name="Title 1">
             <a:extLst>
               <a:ext uri="{FF2B5EF4-FFF2-40B4-BE49-F238E27FC236}">
-                <a16:creationId xmlns:a16="http://schemas.microsoft.com/office/drawing/2014/main" id="{6D0BBBA0-C1A9-43F4-B27B-AA6AA1183E5D}"/>
+                <a16:creationId xmlns:a16="http://schemas.microsoft.com/office/drawing/2014/main" id="{8BBA0B1E-25AA-4F9F-ACC1-8E16652350A8}"/>
               </a:ext>
             </a:extLst>
           </p:cNvPr>
@@ -3820,18 +4542,25 @@
           <a:lstStyle/>
           <a:p>
             <a:r>
+              <a:rPr lang="en-AU" dirty="0">
+                <a:latin typeface="Aharoni" panose="020B0604020202020204" pitchFamily="2" charset="-79"/>
+                <a:cs typeface="Aharoni" panose="020B0604020202020204" pitchFamily="2" charset="-79"/>
+              </a:rPr>
+              <a:t>Metadata</a:t>
+            </a:r>
+            <a:r>
               <a:rPr lang="en-AU" dirty="0"/>
-              <a:t>Metadata Searcher features</a:t>
-            </a:r>
-          </a:p>
-        </p:txBody>
-      </p:sp>
-      <p:sp>
-        <p:nvSpPr>
-          <p:cNvPr id="7" name="Content Placeholder 6">
-            <a:extLst>
-              <a:ext uri="{FF2B5EF4-FFF2-40B4-BE49-F238E27FC236}">
-                <a16:creationId xmlns:a16="http://schemas.microsoft.com/office/drawing/2014/main" id="{1C4DDCFD-470F-4CDA-AAA1-1965C51BC872}"/>
+              <a:t> Harvester features</a:t>
+            </a:r>
+          </a:p>
+        </p:txBody>
+      </p:sp>
+      <p:sp>
+        <p:nvSpPr>
+          <p:cNvPr id="3" name="Content Placeholder 2">
+            <a:extLst>
+              <a:ext uri="{FF2B5EF4-FFF2-40B4-BE49-F238E27FC236}">
+                <a16:creationId xmlns:a16="http://schemas.microsoft.com/office/drawing/2014/main" id="{0CB83B5E-FB24-40E6-8F1D-F31DCAF49C98}"/>
               </a:ext>
             </a:extLst>
           </p:cNvPr>
@@ -3844,8 +4573,8 @@
         </p:nvSpPr>
         <p:spPr>
           <a:xfrm>
-            <a:off x="838199" y="1825625"/>
-            <a:ext cx="10515599" cy="4351338"/>
+            <a:off x="838200" y="1825625"/>
+            <a:ext cx="10515600" cy="4351338"/>
           </a:xfrm>
         </p:spPr>
         <p:txBody>
@@ -3853,35 +4582,68 @@
           <a:lstStyle/>
           <a:p>
             <a:r>
-              <a:rPr lang="en-AU" dirty="0"/>
-              <a:t>Tabular display of file records and their metadata</a:t>
-            </a:r>
-          </a:p>
-          <a:p>
-            <a:r>
-              <a:rPr lang="en-AU" dirty="0"/>
-              <a:t>User can refine what is displayed through he following operations:</a:t>
+              <a:rPr lang="en-AU" dirty="0">
+                <a:solidFill>
+                  <a:schemeClr val="tx1">
+                    <a:lumMod val="50000"/>
+                    <a:lumOff val="50000"/>
+                  </a:schemeClr>
+                </a:solidFill>
+              </a:rPr>
+              <a:t>Search for file metadata is targeted at a specified directory</a:t>
+            </a:r>
+          </a:p>
+          <a:p>
+            <a:r>
+              <a:rPr lang="en-AU" dirty="0">
+                <a:solidFill>
+                  <a:schemeClr val="tx1">
+                    <a:lumMod val="50000"/>
+                    <a:lumOff val="50000"/>
+                  </a:schemeClr>
+                </a:solidFill>
+              </a:rPr>
+              <a:t>User has the option to perform a recursive search-this will also search all subdirectories within the specified directory and extract file metadata</a:t>
+            </a:r>
+          </a:p>
+          <a:p>
+            <a:r>
+              <a:rPr lang="en-AU" dirty="0">
+                <a:solidFill>
+                  <a:schemeClr val="tx1">
+                    <a:lumMod val="50000"/>
+                    <a:lumOff val="50000"/>
+                  </a:schemeClr>
+                </a:solidFill>
+              </a:rPr>
+              <a:t>Extracts metadata for a range of file types, included but not limited to: </a:t>
             </a:r>
           </a:p>
           <a:p>
             <a:pPr lvl="1"/>
             <a:r>
-              <a:rPr lang="en-AU" dirty="0"/>
-              <a:t>Sorting – File records can be sorted by any individual metadata field, in ascending or descending order</a:t>
-            </a:r>
-          </a:p>
-          <a:p>
-            <a:pPr lvl="1"/>
-            <a:r>
-              <a:rPr lang="en-AU" dirty="0"/>
-              <a:t>Searching – User can search for records that match particular conditions based on the value of particular metadata fields</a:t>
-            </a:r>
-          </a:p>
-          <a:p>
-            <a:pPr lvl="1"/>
-            <a:r>
-              <a:rPr lang="en-AU" dirty="0"/>
-              <a:t>Filtering – The file records displayed can be filtered by multiple metadata fields at once, allowing a large degree of control when trying to search for a particular file/or group of related files</a:t>
+              <a:rPr lang="en-AU" dirty="0">
+                <a:solidFill>
+                  <a:schemeClr val="tx1">
+                    <a:lumMod val="50000"/>
+                    <a:lumOff val="50000"/>
+                  </a:schemeClr>
+                </a:solidFill>
+              </a:rPr>
+              <a:t>'bzip2','cab','gzip','mar','tar','zip','aiff','mpeg','real_audio','sun_next_snd','matroska','ogg','real_media','riff','bmp','gif','ico','jpeg','pcx','png','psd','targa','tiff','wmf','xcf','ole2','pcf','torrent','ttf','exe','asf','flv','mov’,’pdf’ and many more</a:t>
+            </a:r>
+          </a:p>
+          <a:p>
+            <a:r>
+              <a:rPr lang="en-AU" dirty="0">
+                <a:solidFill>
+                  <a:schemeClr val="tx1">
+                    <a:lumMod val="50000"/>
+                    <a:lumOff val="50000"/>
+                  </a:schemeClr>
+                </a:solidFill>
+              </a:rPr>
+              <a:t>Outputs all harvested metadata to a user-specified csv file</a:t>
             </a:r>
           </a:p>
         </p:txBody>
@@ -3889,7 +4651,7 @@
     </p:spTree>
     <p:extLst>
       <p:ext uri="{BB962C8B-B14F-4D97-AF65-F5344CB8AC3E}">
-        <p14:creationId xmlns:p14="http://schemas.microsoft.com/office/powerpoint/2010/main" val="1935416811"/>
+        <p14:creationId xmlns:p14="http://schemas.microsoft.com/office/powerpoint/2010/main" val="2161506011"/>
       </p:ext>
     </p:extLst>
   </p:cSld>
@@ -3921,6 +4683,162 @@
           <p:cNvPr id="2" name="Title 1">
             <a:extLst>
               <a:ext uri="{FF2B5EF4-FFF2-40B4-BE49-F238E27FC236}">
+                <a16:creationId xmlns:a16="http://schemas.microsoft.com/office/drawing/2014/main" id="{6D0BBBA0-C1A9-43F4-B27B-AA6AA1183E5D}"/>
+              </a:ext>
+            </a:extLst>
+          </p:cNvPr>
+          <p:cNvSpPr>
+            <a:spLocks noGrp="1"/>
+          </p:cNvSpPr>
+          <p:nvPr>
+            <p:ph type="title"/>
+          </p:nvPr>
+        </p:nvSpPr>
+        <p:spPr/>
+        <p:txBody>
+          <a:bodyPr/>
+          <a:lstStyle/>
+          <a:p>
+            <a:r>
+              <a:rPr lang="en-AU" dirty="0">
+                <a:latin typeface="Aharoni" panose="020B0604020202020204" pitchFamily="2" charset="-79"/>
+                <a:cs typeface="Aharoni" panose="020B0604020202020204" pitchFamily="2" charset="-79"/>
+              </a:rPr>
+              <a:t>Metadata Searcher features</a:t>
+            </a:r>
+          </a:p>
+        </p:txBody>
+      </p:sp>
+      <p:sp>
+        <p:nvSpPr>
+          <p:cNvPr id="7" name="Content Placeholder 6">
+            <a:extLst>
+              <a:ext uri="{FF2B5EF4-FFF2-40B4-BE49-F238E27FC236}">
+                <a16:creationId xmlns:a16="http://schemas.microsoft.com/office/drawing/2014/main" id="{1C4DDCFD-470F-4CDA-AAA1-1965C51BC872}"/>
+              </a:ext>
+            </a:extLst>
+          </p:cNvPr>
+          <p:cNvSpPr>
+            <a:spLocks noGrp="1"/>
+          </p:cNvSpPr>
+          <p:nvPr>
+            <p:ph sz="half" idx="1"/>
+          </p:nvPr>
+        </p:nvSpPr>
+        <p:spPr>
+          <a:xfrm>
+            <a:off x="838199" y="1825625"/>
+            <a:ext cx="10515599" cy="4351338"/>
+          </a:xfrm>
+        </p:spPr>
+        <p:txBody>
+          <a:bodyPr/>
+          <a:lstStyle/>
+          <a:p>
+            <a:r>
+              <a:rPr lang="en-AU" dirty="0">
+                <a:solidFill>
+                  <a:schemeClr val="tx1">
+                    <a:lumMod val="50000"/>
+                    <a:lumOff val="50000"/>
+                  </a:schemeClr>
+                </a:solidFill>
+              </a:rPr>
+              <a:t>Tabular display of file records and their metadata</a:t>
+            </a:r>
+          </a:p>
+          <a:p>
+            <a:r>
+              <a:rPr lang="en-AU" dirty="0">
+                <a:solidFill>
+                  <a:schemeClr val="tx1">
+                    <a:lumMod val="50000"/>
+                    <a:lumOff val="50000"/>
+                  </a:schemeClr>
+                </a:solidFill>
+              </a:rPr>
+              <a:t>User can refine what is displayed through he following operations:</a:t>
+            </a:r>
+          </a:p>
+          <a:p>
+            <a:pPr lvl="1"/>
+            <a:r>
+              <a:rPr lang="en-AU" dirty="0">
+                <a:solidFill>
+                  <a:schemeClr val="tx1">
+                    <a:lumMod val="50000"/>
+                    <a:lumOff val="50000"/>
+                  </a:schemeClr>
+                </a:solidFill>
+              </a:rPr>
+              <a:t>Sorting – File records can be sorted by any individual metadata field, in ascending or descending order</a:t>
+            </a:r>
+          </a:p>
+          <a:p>
+            <a:pPr lvl="1"/>
+            <a:r>
+              <a:rPr lang="en-AU" dirty="0">
+                <a:solidFill>
+                  <a:schemeClr val="tx1">
+                    <a:lumMod val="50000"/>
+                    <a:lumOff val="50000"/>
+                  </a:schemeClr>
+                </a:solidFill>
+              </a:rPr>
+              <a:t>Searching – User can search for records that match particular conditions based on the value of particular metadata fields</a:t>
+            </a:r>
+          </a:p>
+          <a:p>
+            <a:pPr lvl="1"/>
+            <a:r>
+              <a:rPr lang="en-AU" dirty="0">
+                <a:solidFill>
+                  <a:schemeClr val="tx1">
+                    <a:lumMod val="50000"/>
+                    <a:lumOff val="50000"/>
+                  </a:schemeClr>
+                </a:solidFill>
+              </a:rPr>
+              <a:t>Filtering – The file records displayed can be filtered by multiple metadata fields at once, allowing a large degree of control when trying to search for a particular file/or group of related files</a:t>
+            </a:r>
+          </a:p>
+        </p:txBody>
+      </p:sp>
+    </p:spTree>
+    <p:extLst>
+      <p:ext uri="{BB962C8B-B14F-4D97-AF65-F5344CB8AC3E}">
+        <p14:creationId xmlns:p14="http://schemas.microsoft.com/office/powerpoint/2010/main" val="1935416811"/>
+      </p:ext>
+    </p:extLst>
+  </p:cSld>
+  <p:clrMapOvr>
+    <a:masterClrMapping/>
+  </p:clrMapOvr>
+</p:sld>
+</file>
+
+<file path=ppt/slides/slide6.xml><?xml version="1.0" encoding="utf-8"?>
+<p:sld xmlns:a="http://schemas.openxmlformats.org/drawingml/2006/main" xmlns:r="http://schemas.openxmlformats.org/officeDocument/2006/relationships" xmlns:p="http://schemas.openxmlformats.org/presentationml/2006/main">
+  <p:cSld>
+    <p:spTree>
+      <p:nvGrpSpPr>
+        <p:cNvPr id="1" name=""/>
+        <p:cNvGrpSpPr/>
+        <p:nvPr/>
+      </p:nvGrpSpPr>
+      <p:grpSpPr>
+        <a:xfrm>
+          <a:off x="0" y="0"/>
+          <a:ext cx="0" cy="0"/>
+          <a:chOff x="0" y="0"/>
+          <a:chExt cx="0" cy="0"/>
+        </a:xfrm>
+      </p:grpSpPr>
+      <p:sp>
+        <p:nvSpPr>
+          <p:cNvPr id="2" name="Title 1">
+            <a:extLst>
+              <a:ext uri="{FF2B5EF4-FFF2-40B4-BE49-F238E27FC236}">
                 <a16:creationId xmlns:a16="http://schemas.microsoft.com/office/drawing/2014/main" id="{DC674D74-3F61-45B3-B492-7A25F4C84C7C}"/>
               </a:ext>
             </a:extLst>
@@ -3944,7 +4862,10 @@
           <a:p>
             <a:pPr algn="ctr"/>
             <a:r>
-              <a:rPr lang="en-AU" dirty="0"/>
+              <a:rPr lang="en-AU" dirty="0">
+                <a:latin typeface="Aharoni" panose="020B0604020202020204" pitchFamily="2" charset="-79"/>
+                <a:cs typeface="Aharoni" panose="020B0604020202020204" pitchFamily="2" charset="-79"/>
+              </a:rPr>
               <a:t>Metadata Harvester and Searcher Demonstration</a:t>
             </a:r>
           </a:p>

--- a/Final_Project/presentation/Jesse/Section4_ProductDemonstration_Jesse.pptx
+++ b/Final_Project/presentation/Jesse/Section4_ProductDemonstration_Jesse.pptx
@@ -132,7 +132,7 @@
 <file path=ppt/revisionInfo.xml><?xml version="1.0" encoding="utf-8"?>
 <p1510:revInfo xmlns:a="http://schemas.openxmlformats.org/drawingml/2006/main" xmlns:r="http://schemas.openxmlformats.org/officeDocument/2006/relationships" xmlns:p1510="http://schemas.microsoft.com/office/powerpoint/2015/10/main">
   <p1510:revLst>
-    <p1510:client id="{16C2FE0C-4709-4992-A3C2-0C28529D80D0}" v="27" dt="2019-10-22T09:44:51.433"/>
+    <p1510:client id="{16C2FE0C-4709-4992-A3C2-0C28529D80D0}" v="30" dt="2019-10-22T09:47:16.901"/>
   </p1510:revLst>
 </p1510:revInfo>
 </file>
@@ -142,7 +142,7 @@
   <pc:docChgLst>
     <pc:chgData name="Jesse Hare" userId="f26de41238ad2560" providerId="LiveId" clId="{16C2FE0C-4709-4992-A3C2-0C28529D80D0}"/>
     <pc:docChg chg="custSel addSld modSld">
-      <pc:chgData name="Jesse Hare" userId="f26de41238ad2560" providerId="LiveId" clId="{16C2FE0C-4709-4992-A3C2-0C28529D80D0}" dt="2019-10-22T09:44:58.698" v="750" actId="2711"/>
+      <pc:chgData name="Jesse Hare" userId="f26de41238ad2560" providerId="LiveId" clId="{16C2FE0C-4709-4992-A3C2-0C28529D80D0}" dt="2019-10-22T09:47:16.901" v="754" actId="207"/>
       <pc:docMkLst>
         <pc:docMk/>
       </pc:docMkLst>
@@ -193,13 +193,13 @@
         </pc:spChg>
       </pc:sldChg>
       <pc:sldChg chg="modSp addCm modCm">
-        <pc:chgData name="Jesse Hare" userId="f26de41238ad2560" providerId="LiveId" clId="{16C2FE0C-4709-4992-A3C2-0C28529D80D0}" dt="2019-10-22T09:44:39.880" v="747" actId="207"/>
+        <pc:chgData name="Jesse Hare" userId="f26de41238ad2560" providerId="LiveId" clId="{16C2FE0C-4709-4992-A3C2-0C28529D80D0}" dt="2019-10-22T09:46:54.847" v="751" actId="2711"/>
         <pc:sldMkLst>
           <pc:docMk/>
           <pc:sldMk cId="2161506011" sldId="258"/>
         </pc:sldMkLst>
         <pc:spChg chg="mod">
-          <ac:chgData name="Jesse Hare" userId="f26de41238ad2560" providerId="LiveId" clId="{16C2FE0C-4709-4992-A3C2-0C28529D80D0}" dt="2019-10-22T09:44:34.057" v="746" actId="2711"/>
+          <ac:chgData name="Jesse Hare" userId="f26de41238ad2560" providerId="LiveId" clId="{16C2FE0C-4709-4992-A3C2-0C28529D80D0}" dt="2019-10-22T09:46:54.847" v="751" actId="2711"/>
           <ac:spMkLst>
             <pc:docMk/>
             <pc:sldMk cId="2161506011" sldId="258"/>
@@ -216,7 +216,7 @@
         </pc:spChg>
       </pc:sldChg>
       <pc:sldChg chg="modSp addCm modCm">
-        <pc:chgData name="Jesse Hare" userId="f26de41238ad2560" providerId="LiveId" clId="{16C2FE0C-4709-4992-A3C2-0C28529D80D0}" dt="2019-10-22T09:44:51.433" v="749" actId="207"/>
+        <pc:chgData name="Jesse Hare" userId="f26de41238ad2560" providerId="LiveId" clId="{16C2FE0C-4709-4992-A3C2-0C28529D80D0}" dt="2019-10-22T09:47:16.901" v="754" actId="207"/>
         <pc:sldMkLst>
           <pc:docMk/>
           <pc:sldMk cId="1935416811" sldId="259"/>
@@ -230,7 +230,7 @@
           </ac:spMkLst>
         </pc:spChg>
         <pc:spChg chg="mod">
-          <ac:chgData name="Jesse Hare" userId="f26de41238ad2560" providerId="LiveId" clId="{16C2FE0C-4709-4992-A3C2-0C28529D80D0}" dt="2019-10-22T09:44:51.433" v="749" actId="207"/>
+          <ac:chgData name="Jesse Hare" userId="f26de41238ad2560" providerId="LiveId" clId="{16C2FE0C-4709-4992-A3C2-0C28529D80D0}" dt="2019-10-22T09:47:16.901" v="754" actId="207"/>
           <ac:spMkLst>
             <pc:docMk/>
             <pc:sldMk cId="1935416811" sldId="259"/>
@@ -4550,7 +4550,14 @@
             </a:r>
             <a:r>
               <a:rPr lang="en-AU" dirty="0"/>
-              <a:t> Harvester features</a:t>
+              <a:t> </a:t>
+            </a:r>
+            <a:r>
+              <a:rPr lang="en-AU" dirty="0">
+                <a:latin typeface="Aharoni" panose="020B0604020202020204" pitchFamily="2" charset="-79"/>
+                <a:cs typeface="Aharoni" panose="020B0604020202020204" pitchFamily="2" charset="-79"/>
+              </a:rPr>
+              <a:t>Harvester features</a:t>
             </a:r>
           </a:p>
         </p:txBody>
@@ -4736,6 +4743,23 @@
           <a:lstStyle/>
           <a:p>
             <a:r>
+              <a:rPr lang="en-AU" dirty="0"/>
+              <a:t>Tabular display of file records and their metadata</a:t>
+            </a:r>
+          </a:p>
+          <a:p>
+            <a:r>
+              <a:rPr lang="en-AU" dirty="0"/>
+              <a:t>User can refine what is displayed through he following operations:</a:t>
+            </a:r>
+          </a:p>
+          <a:p>
+            <a:pPr lvl="1"/>
+            <a:r>
+              <a:rPr lang="en-AU" dirty="0"/>
+              <a:t>Sorting</a:t>
+            </a:r>
+            <a:r>
               <a:rPr lang="en-AU" dirty="0">
                 <a:solidFill>
                   <a:schemeClr val="tx1">
@@ -4744,10 +4768,15 @@
                   </a:schemeClr>
                 </a:solidFill>
               </a:rPr>
-              <a:t>Tabular display of file records and their metadata</a:t>
-            </a:r>
-          </a:p>
-          <a:p>
+              <a:t> – File records can be sorted by any individual metadata field, in ascending or descending order</a:t>
+            </a:r>
+          </a:p>
+          <a:p>
+            <a:pPr lvl="1"/>
+            <a:r>
+              <a:rPr lang="en-AU" dirty="0"/>
+              <a:t>Searching</a:t>
+            </a:r>
             <a:r>
               <a:rPr lang="en-AU" dirty="0">
                 <a:solidFill>
@@ -4757,11 +4786,15 @@
                   </a:schemeClr>
                 </a:solidFill>
               </a:rPr>
-              <a:t>User can refine what is displayed through he following operations:</a:t>
+              <a:t> – User can search for records that match particular conditions based on the value of particular metadata fields</a:t>
             </a:r>
           </a:p>
           <a:p>
             <a:pPr lvl="1"/>
+            <a:r>
+              <a:rPr lang="en-AU" dirty="0"/>
+              <a:t>Filtering</a:t>
+            </a:r>
             <a:r>
               <a:rPr lang="en-AU" dirty="0">
                 <a:solidFill>
@@ -4771,35 +4804,7 @@
                   </a:schemeClr>
                 </a:solidFill>
               </a:rPr>
-              <a:t>Sorting – File records can be sorted by any individual metadata field, in ascending or descending order</a:t>
-            </a:r>
-          </a:p>
-          <a:p>
-            <a:pPr lvl="1"/>
-            <a:r>
-              <a:rPr lang="en-AU" dirty="0">
-                <a:solidFill>
-                  <a:schemeClr val="tx1">
-                    <a:lumMod val="50000"/>
-                    <a:lumOff val="50000"/>
-                  </a:schemeClr>
-                </a:solidFill>
-              </a:rPr>
-              <a:t>Searching – User can search for records that match particular conditions based on the value of particular metadata fields</a:t>
-            </a:r>
-          </a:p>
-          <a:p>
-            <a:pPr lvl="1"/>
-            <a:r>
-              <a:rPr lang="en-AU" dirty="0">
-                <a:solidFill>
-                  <a:schemeClr val="tx1">
-                    <a:lumMod val="50000"/>
-                    <a:lumOff val="50000"/>
-                  </a:schemeClr>
-                </a:solidFill>
-              </a:rPr>
-              <a:t>Filtering – The file records displayed can be filtered by multiple metadata fields at once, allowing a large degree of control when trying to search for a particular file/or group of related files</a:t>
+              <a:t> – The file records displayed can be filtered by multiple metadata fields at once, allowing a large degree of control when trying to search for a particular file/or group of related files</a:t>
             </a:r>
           </a:p>
         </p:txBody>
